--- a/curso_python_codigo_369/369_clases.PPTX
+++ b/curso_python_codigo_369/369_clases.PPTX
@@ -105,6 +105,11 @@
       </a:defRPr>
     </a:lvl9pPr>
   </p:defaultTextStyle>
+  <p:extLst>
+    <p:ext uri="{EFAFB233-063F-42B5-8137-9DF3F51BA10A}">
+      <p15:sldGuideLst xmlns:p15="http://schemas.microsoft.com/office/powerpoint/2012/main"/>
+    </p:ext>
+  </p:extLst>
 </p:presentation>
 </file>
 
@@ -1319,7 +1324,7 @@
           <a:p>
             <a:fld id="{D15AE765-5ECA-4C6C-A94D-BF7758BAA011}" type="datetimeFigureOut">
               <a:rPr lang="en-US" smtClean="0"/>
-              <a:t>11/19/2024</a:t>
+              <a:t>11/20/2024</a:t>
             </a:fld>
             <a:endParaRPr lang="en-US"/>
           </a:p>
@@ -1557,7 +1562,7 @@
           <a:p>
             <a:fld id="{D15AE765-5ECA-4C6C-A94D-BF7758BAA011}" type="datetimeFigureOut">
               <a:rPr lang="en-US" smtClean="0"/>
-              <a:t>11/19/2024</a:t>
+              <a:t>11/20/2024</a:t>
             </a:fld>
             <a:endParaRPr lang="en-US"/>
           </a:p>
@@ -1737,7 +1742,7 @@
           <a:p>
             <a:fld id="{D15AE765-5ECA-4C6C-A94D-BF7758BAA011}" type="datetimeFigureOut">
               <a:rPr lang="en-US" smtClean="0"/>
-              <a:t>11/19/2024</a:t>
+              <a:t>11/20/2024</a:t>
             </a:fld>
             <a:endParaRPr lang="en-US"/>
           </a:p>
@@ -1907,7 +1912,7 @@
           <a:p>
             <a:fld id="{D15AE765-5ECA-4C6C-A94D-BF7758BAA011}" type="datetimeFigureOut">
               <a:rPr lang="en-US" smtClean="0"/>
-              <a:t>11/19/2024</a:t>
+              <a:t>11/20/2024</a:t>
             </a:fld>
             <a:endParaRPr lang="en-US"/>
           </a:p>
@@ -2183,7 +2188,7 @@
           <a:p>
             <a:fld id="{D15AE765-5ECA-4C6C-A94D-BF7758BAA011}" type="datetimeFigureOut">
               <a:rPr lang="en-US" smtClean="0"/>
-              <a:t>11/19/2024</a:t>
+              <a:t>11/20/2024</a:t>
             </a:fld>
             <a:endParaRPr lang="en-US"/>
           </a:p>
@@ -3384,7 +3389,7 @@
           <a:p>
             <a:fld id="{D15AE765-5ECA-4C6C-A94D-BF7758BAA011}" type="datetimeFigureOut">
               <a:rPr lang="en-US" smtClean="0"/>
-              <a:t>11/19/2024</a:t>
+              <a:t>11/20/2024</a:t>
             </a:fld>
             <a:endParaRPr lang="en-US"/>
           </a:p>
@@ -3774,7 +3779,7 @@
           <a:p>
             <a:fld id="{D15AE765-5ECA-4C6C-A94D-BF7758BAA011}" type="datetimeFigureOut">
               <a:rPr lang="en-US" smtClean="0"/>
-              <a:t>11/19/2024</a:t>
+              <a:t>11/20/2024</a:t>
             </a:fld>
             <a:endParaRPr lang="en-US"/>
           </a:p>
@@ -3897,7 +3902,7 @@
           <a:p>
             <a:fld id="{D15AE765-5ECA-4C6C-A94D-BF7758BAA011}" type="datetimeFigureOut">
               <a:rPr lang="en-US" smtClean="0"/>
-              <a:t>11/19/2024</a:t>
+              <a:t>11/20/2024</a:t>
             </a:fld>
             <a:endParaRPr lang="en-US"/>
           </a:p>
@@ -3992,7 +3997,7 @@
           <a:p>
             <a:fld id="{D15AE765-5ECA-4C6C-A94D-BF7758BAA011}" type="datetimeFigureOut">
               <a:rPr lang="en-US" smtClean="0"/>
-              <a:t>11/19/2024</a:t>
+              <a:t>11/20/2024</a:t>
             </a:fld>
             <a:endParaRPr lang="en-US"/>
           </a:p>
@@ -4755,7 +4760,7 @@
           <a:p>
             <a:fld id="{D15AE765-5ECA-4C6C-A94D-BF7758BAA011}" type="datetimeFigureOut">
               <a:rPr lang="en-US" smtClean="0"/>
-              <a:t>11/19/2024</a:t>
+              <a:t>11/20/2024</a:t>
             </a:fld>
             <a:endParaRPr lang="en-US"/>
           </a:p>
@@ -5595,7 +5600,7 @@
           <a:p>
             <a:fld id="{D15AE765-5ECA-4C6C-A94D-BF7758BAA011}" type="datetimeFigureOut">
               <a:rPr lang="en-US" smtClean="0"/>
-              <a:t>11/19/2024</a:t>
+              <a:t>11/20/2024</a:t>
             </a:fld>
             <a:endParaRPr lang="en-US"/>
           </a:p>
@@ -5822,7 +5827,7 @@
           <a:p>
             <a:fld id="{D15AE765-5ECA-4C6C-A94D-BF7758BAA011}" type="datetimeFigureOut">
               <a:rPr lang="en-US" smtClean="0"/>
-              <a:t>11/19/2024</a:t>
+              <a:t>11/20/2024</a:t>
             </a:fld>
             <a:endParaRPr lang="en-US"/>
           </a:p>

--- a/curso_python_codigo_369/369_clases.PPTX
+++ b/curso_python_codigo_369/369_clases.PPTX
@@ -7,6 +7,7 @@
   <p:sldIdLst>
     <p:sldId id="256" r:id="rId2"/>
     <p:sldId id="257" r:id="rId3"/>
+    <p:sldId id="258" r:id="rId4"/>
   </p:sldIdLst>
   <p:sldSz cx="12192000" cy="6858000"/>
   <p:notesSz cx="6858000" cy="9144000"/>
@@ -1324,7 +1325,7 @@
           <a:p>
             <a:fld id="{D15AE765-5ECA-4C6C-A94D-BF7758BAA011}" type="datetimeFigureOut">
               <a:rPr lang="en-US" smtClean="0"/>
-              <a:t>11/20/2024</a:t>
+              <a:t>11/25/2024</a:t>
             </a:fld>
             <a:endParaRPr lang="en-US"/>
           </a:p>
@@ -1562,7 +1563,7 @@
           <a:p>
             <a:fld id="{D15AE765-5ECA-4C6C-A94D-BF7758BAA011}" type="datetimeFigureOut">
               <a:rPr lang="en-US" smtClean="0"/>
-              <a:t>11/20/2024</a:t>
+              <a:t>11/25/2024</a:t>
             </a:fld>
             <a:endParaRPr lang="en-US"/>
           </a:p>
@@ -1742,7 +1743,7 @@
           <a:p>
             <a:fld id="{D15AE765-5ECA-4C6C-A94D-BF7758BAA011}" type="datetimeFigureOut">
               <a:rPr lang="en-US" smtClean="0"/>
-              <a:t>11/20/2024</a:t>
+              <a:t>11/25/2024</a:t>
             </a:fld>
             <a:endParaRPr lang="en-US"/>
           </a:p>
@@ -1912,7 +1913,7 @@
           <a:p>
             <a:fld id="{D15AE765-5ECA-4C6C-A94D-BF7758BAA011}" type="datetimeFigureOut">
               <a:rPr lang="en-US" smtClean="0"/>
-              <a:t>11/20/2024</a:t>
+              <a:t>11/25/2024</a:t>
             </a:fld>
             <a:endParaRPr lang="en-US"/>
           </a:p>
@@ -2188,7 +2189,7 @@
           <a:p>
             <a:fld id="{D15AE765-5ECA-4C6C-A94D-BF7758BAA011}" type="datetimeFigureOut">
               <a:rPr lang="en-US" smtClean="0"/>
-              <a:t>11/20/2024</a:t>
+              <a:t>11/25/2024</a:t>
             </a:fld>
             <a:endParaRPr lang="en-US"/>
           </a:p>
@@ -3389,7 +3390,7 @@
           <a:p>
             <a:fld id="{D15AE765-5ECA-4C6C-A94D-BF7758BAA011}" type="datetimeFigureOut">
               <a:rPr lang="en-US" smtClean="0"/>
-              <a:t>11/20/2024</a:t>
+              <a:t>11/25/2024</a:t>
             </a:fld>
             <a:endParaRPr lang="en-US"/>
           </a:p>
@@ -3779,7 +3780,7 @@
           <a:p>
             <a:fld id="{D15AE765-5ECA-4C6C-A94D-BF7758BAA011}" type="datetimeFigureOut">
               <a:rPr lang="en-US" smtClean="0"/>
-              <a:t>11/20/2024</a:t>
+              <a:t>11/25/2024</a:t>
             </a:fld>
             <a:endParaRPr lang="en-US"/>
           </a:p>
@@ -3902,7 +3903,7 @@
           <a:p>
             <a:fld id="{D15AE765-5ECA-4C6C-A94D-BF7758BAA011}" type="datetimeFigureOut">
               <a:rPr lang="en-US" smtClean="0"/>
-              <a:t>11/20/2024</a:t>
+              <a:t>11/25/2024</a:t>
             </a:fld>
             <a:endParaRPr lang="en-US"/>
           </a:p>
@@ -3997,7 +3998,7 @@
           <a:p>
             <a:fld id="{D15AE765-5ECA-4C6C-A94D-BF7758BAA011}" type="datetimeFigureOut">
               <a:rPr lang="en-US" smtClean="0"/>
-              <a:t>11/20/2024</a:t>
+              <a:t>11/25/2024</a:t>
             </a:fld>
             <a:endParaRPr lang="en-US"/>
           </a:p>
@@ -4760,7 +4761,7 @@
           <a:p>
             <a:fld id="{D15AE765-5ECA-4C6C-A94D-BF7758BAA011}" type="datetimeFigureOut">
               <a:rPr lang="en-US" smtClean="0"/>
-              <a:t>11/20/2024</a:t>
+              <a:t>11/25/2024</a:t>
             </a:fld>
             <a:endParaRPr lang="en-US"/>
           </a:p>
@@ -5600,7 +5601,7 @@
           <a:p>
             <a:fld id="{D15AE765-5ECA-4C6C-A94D-BF7758BAA011}" type="datetimeFigureOut">
               <a:rPr lang="en-US" smtClean="0"/>
-              <a:t>11/20/2024</a:t>
+              <a:t>11/25/2024</a:t>
             </a:fld>
             <a:endParaRPr lang="en-US"/>
           </a:p>
@@ -5827,7 +5828,7 @@
           <a:p>
             <a:fld id="{D15AE765-5ECA-4C6C-A94D-BF7758BAA011}" type="datetimeFigureOut">
               <a:rPr lang="en-US" smtClean="0"/>
-              <a:t>11/20/2024</a:t>
+              <a:t>11/25/2024</a:t>
             </a:fld>
             <a:endParaRPr lang="en-US"/>
           </a:p>
@@ -6989,6 +6990,94 @@
 </p:sld>
 </file>
 
+<file path=ppt/slides/slide3.xml><?xml version="1.0" encoding="utf-8"?>
+<p:sld xmlns:a="http://schemas.openxmlformats.org/drawingml/2006/main" xmlns:r="http://schemas.openxmlformats.org/officeDocument/2006/relationships" xmlns:p="http://schemas.openxmlformats.org/presentationml/2006/main">
+  <p:cSld>
+    <p:spTree>
+      <p:nvGrpSpPr>
+        <p:cNvPr id="1" name=""/>
+        <p:cNvGrpSpPr/>
+        <p:nvPr/>
+      </p:nvGrpSpPr>
+      <p:grpSpPr>
+        <a:xfrm>
+          <a:off x="0" y="0"/>
+          <a:ext cx="0" cy="0"/>
+          <a:chOff x="0" y="0"/>
+          <a:chExt cx="0" cy="0"/>
+        </a:xfrm>
+      </p:grpSpPr>
+      <p:sp>
+        <p:nvSpPr>
+          <p:cNvPr id="2" name="Título 1"/>
+          <p:cNvSpPr>
+            <a:spLocks noGrp="1"/>
+          </p:cNvSpPr>
+          <p:nvPr>
+            <p:ph type="title"/>
+          </p:nvPr>
+        </p:nvSpPr>
+        <p:spPr/>
+        <p:txBody>
+          <a:bodyPr/>
+          <a:lstStyle/>
+          <a:p>
+            <a:r>
+              <a:rPr lang="es-ES" dirty="0" err="1" smtClean="0"/>
+              <a:t>Array</a:t>
+            </a:r>
+            <a:r>
+              <a:rPr lang="es-ES" dirty="0" smtClean="0"/>
+              <a:t> y listas</a:t>
+            </a:r>
+            <a:endParaRPr lang="es-BO" dirty="0"/>
+          </a:p>
+        </p:txBody>
+      </p:sp>
+      <p:sp>
+        <p:nvSpPr>
+          <p:cNvPr id="3" name="Marcador de contenido 2"/>
+          <p:cNvSpPr>
+            <a:spLocks noGrp="1"/>
+          </p:cNvSpPr>
+          <p:nvPr>
+            <p:ph idx="1"/>
+          </p:nvPr>
+        </p:nvSpPr>
+        <p:spPr/>
+        <p:txBody>
+          <a:bodyPr/>
+          <a:lstStyle/>
+          <a:p>
+            <a:r>
+              <a:rPr lang="es-ES" dirty="0" smtClean="0"/>
+              <a:t>Listas: [ , , , , ,] </a:t>
+            </a:r>
+          </a:p>
+          <a:p>
+            <a:r>
+              <a:rPr lang="es-ES" dirty="0" smtClean="0"/>
+              <a:t>Se añade cualquier tipo de datos dentro pero separado por una coma</a:t>
+            </a:r>
+          </a:p>
+          <a:p>
+            <a:endParaRPr lang="es-BO" dirty="0"/>
+          </a:p>
+        </p:txBody>
+      </p:sp>
+    </p:spTree>
+    <p:extLst>
+      <p:ext uri="{BB962C8B-B14F-4D97-AF65-F5344CB8AC3E}">
+        <p14:creationId xmlns:p14="http://schemas.microsoft.com/office/powerpoint/2010/main" val="4043446834"/>
+      </p:ext>
+    </p:extLst>
+  </p:cSld>
+  <p:clrMapOvr>
+    <a:masterClrMapping/>
+  </p:clrMapOvr>
+</p:sld>
+</file>
+
 <file path=ppt/theme/theme1.xml><?xml version="1.0" encoding="utf-8"?>
 <a:theme xmlns:a="http://schemas.openxmlformats.org/drawingml/2006/main" name="Badge">
   <a:themeElements>
